--- a/ppt 16-9/1448.是主旨意.pptx
+++ b/ppt 16-9/1448.是主旨意.pptx
@@ -129,7 +129,7 @@
           <p:cNvPr id="2" name="标题 1">
             <a:extLst>
               <a:ext uri="{FF2B5EF4-FFF2-40B4-BE49-F238E27FC236}">
-                <a16:creationId xmlns:a16="http://schemas.microsoft.com/office/drawing/2014/main" id="{4F5A4228-C5C5-5678-6027-1BC0F2D73BCA}"/>
+                <a16:creationId xmlns:a16="http://schemas.microsoft.com/office/drawing/2014/main" id="{7A73DFE6-A105-D3CC-1B6C-E6D5F9BA98DD}"/>
               </a:ext>
             </a:extLst>
           </p:cNvPr>
@@ -166,7 +166,7 @@
           <p:cNvPr id="3" name="副标题 2">
             <a:extLst>
               <a:ext uri="{FF2B5EF4-FFF2-40B4-BE49-F238E27FC236}">
-                <a16:creationId xmlns:a16="http://schemas.microsoft.com/office/drawing/2014/main" id="{DCAB7FA4-91C7-5522-A466-464805C62317}"/>
+                <a16:creationId xmlns:a16="http://schemas.microsoft.com/office/drawing/2014/main" id="{CA07D5EE-FEDC-C678-90B6-DC91C462DFA0}"/>
               </a:ext>
             </a:extLst>
           </p:cNvPr>
@@ -236,7 +236,7 @@
           <p:cNvPr id="4" name="日期占位符 3">
             <a:extLst>
               <a:ext uri="{FF2B5EF4-FFF2-40B4-BE49-F238E27FC236}">
-                <a16:creationId xmlns:a16="http://schemas.microsoft.com/office/drawing/2014/main" id="{9FF48B45-5E07-40DF-761A-610E815F9740}"/>
+                <a16:creationId xmlns:a16="http://schemas.microsoft.com/office/drawing/2014/main" id="{8EE5493C-9A83-DE9F-194F-0ED8CE59ED0A}"/>
               </a:ext>
             </a:extLst>
           </p:cNvPr>
@@ -252,7 +252,7 @@
           <a:bodyPr/>
           <a:lstStyle/>
           <a:p>
-            <a:fld id="{20F14939-022F-42BD-95C5-B97EA66725D1}" type="datetimeFigureOut">
+            <a:fld id="{5D17E001-A548-461E-B5B7-78154871ABAD}" type="datetimeFigureOut">
               <a:rPr lang="zh-CN" altLang="en-US" smtClean="0"/>
               <a:t>2024/3/10</a:t>
             </a:fld>
@@ -265,7 +265,7 @@
           <p:cNvPr id="5" name="页脚占位符 4">
             <a:extLst>
               <a:ext uri="{FF2B5EF4-FFF2-40B4-BE49-F238E27FC236}">
-                <a16:creationId xmlns:a16="http://schemas.microsoft.com/office/drawing/2014/main" id="{C175409F-F1C7-8FC9-9C55-6E05883B9444}"/>
+                <a16:creationId xmlns:a16="http://schemas.microsoft.com/office/drawing/2014/main" id="{BCA8CADE-6154-BC2D-A0EA-9D0E5886E4B4}"/>
               </a:ext>
             </a:extLst>
           </p:cNvPr>
@@ -290,7 +290,7 @@
           <p:cNvPr id="6" name="灯片编号占位符 5">
             <a:extLst>
               <a:ext uri="{FF2B5EF4-FFF2-40B4-BE49-F238E27FC236}">
-                <a16:creationId xmlns:a16="http://schemas.microsoft.com/office/drawing/2014/main" id="{99A075DA-1DAC-DD6E-4032-E1FFD57C39AC}"/>
+                <a16:creationId xmlns:a16="http://schemas.microsoft.com/office/drawing/2014/main" id="{93B1B3F7-0F29-4A72-4342-93B6D338E00F}"/>
               </a:ext>
             </a:extLst>
           </p:cNvPr>
@@ -306,7 +306,7 @@
           <a:bodyPr/>
           <a:lstStyle/>
           <a:p>
-            <a:fld id="{F96871C2-FFB8-4AF0-AEA7-13CCDA2CBD2E}" type="slidenum">
+            <a:fld id="{E5350FC8-0CE1-43E1-A3FF-FF5648122D25}" type="slidenum">
               <a:rPr lang="zh-CN" altLang="en-US" smtClean="0"/>
               <a:t>‹#›</a:t>
             </a:fld>
@@ -317,7 +317,7 @@
     </p:spTree>
     <p:extLst>
       <p:ext uri="{BB962C8B-B14F-4D97-AF65-F5344CB8AC3E}">
-        <p14:creationId xmlns:p14="http://schemas.microsoft.com/office/powerpoint/2010/main" val="3188098661"/>
+        <p14:creationId xmlns:p14="http://schemas.microsoft.com/office/powerpoint/2010/main" val="596385769"/>
       </p:ext>
     </p:extLst>
   </p:cSld>
@@ -349,7 +349,7 @@
           <p:cNvPr id="2" name="标题 1">
             <a:extLst>
               <a:ext uri="{FF2B5EF4-FFF2-40B4-BE49-F238E27FC236}">
-                <a16:creationId xmlns:a16="http://schemas.microsoft.com/office/drawing/2014/main" id="{779FD42E-66B0-7A9C-7878-5BC5DD1AB77D}"/>
+                <a16:creationId xmlns:a16="http://schemas.microsoft.com/office/drawing/2014/main" id="{AA030EA3-5844-4F38-37DB-44F298CD28BC}"/>
               </a:ext>
             </a:extLst>
           </p:cNvPr>
@@ -377,7 +377,7 @@
           <p:cNvPr id="3" name="竖排文字占位符 2">
             <a:extLst>
               <a:ext uri="{FF2B5EF4-FFF2-40B4-BE49-F238E27FC236}">
-                <a16:creationId xmlns:a16="http://schemas.microsoft.com/office/drawing/2014/main" id="{455CBFFD-402A-35C5-EAA0-02E859541B28}"/>
+                <a16:creationId xmlns:a16="http://schemas.microsoft.com/office/drawing/2014/main" id="{4D38A1AF-1EEB-8724-B302-8198F615FDB1}"/>
               </a:ext>
             </a:extLst>
           </p:cNvPr>
@@ -434,7 +434,7 @@
           <p:cNvPr id="4" name="日期占位符 3">
             <a:extLst>
               <a:ext uri="{FF2B5EF4-FFF2-40B4-BE49-F238E27FC236}">
-                <a16:creationId xmlns:a16="http://schemas.microsoft.com/office/drawing/2014/main" id="{EFBE72C5-C8E1-AEB9-C851-D33AE144B35E}"/>
+                <a16:creationId xmlns:a16="http://schemas.microsoft.com/office/drawing/2014/main" id="{EAFEB576-2C41-DF94-B57E-6570FD351D2B}"/>
               </a:ext>
             </a:extLst>
           </p:cNvPr>
@@ -450,7 +450,7 @@
           <a:bodyPr/>
           <a:lstStyle/>
           <a:p>
-            <a:fld id="{20F14939-022F-42BD-95C5-B97EA66725D1}" type="datetimeFigureOut">
+            <a:fld id="{5D17E001-A548-461E-B5B7-78154871ABAD}" type="datetimeFigureOut">
               <a:rPr lang="zh-CN" altLang="en-US" smtClean="0"/>
               <a:t>2024/3/10</a:t>
             </a:fld>
@@ -463,7 +463,7 @@
           <p:cNvPr id="5" name="页脚占位符 4">
             <a:extLst>
               <a:ext uri="{FF2B5EF4-FFF2-40B4-BE49-F238E27FC236}">
-                <a16:creationId xmlns:a16="http://schemas.microsoft.com/office/drawing/2014/main" id="{30906663-141D-3D8C-3D8C-0D3CCCDAAA70}"/>
+                <a16:creationId xmlns:a16="http://schemas.microsoft.com/office/drawing/2014/main" id="{5CD02054-7853-8CAB-591B-67506613CCF0}"/>
               </a:ext>
             </a:extLst>
           </p:cNvPr>
@@ -488,7 +488,7 @@
           <p:cNvPr id="6" name="灯片编号占位符 5">
             <a:extLst>
               <a:ext uri="{FF2B5EF4-FFF2-40B4-BE49-F238E27FC236}">
-                <a16:creationId xmlns:a16="http://schemas.microsoft.com/office/drawing/2014/main" id="{78B83A22-EFF0-AAED-5815-C6B33579022E}"/>
+                <a16:creationId xmlns:a16="http://schemas.microsoft.com/office/drawing/2014/main" id="{8BA26072-258A-AD26-FD14-2D80F1F4056B}"/>
               </a:ext>
             </a:extLst>
           </p:cNvPr>
@@ -504,7 +504,7 @@
           <a:bodyPr/>
           <a:lstStyle/>
           <a:p>
-            <a:fld id="{F96871C2-FFB8-4AF0-AEA7-13CCDA2CBD2E}" type="slidenum">
+            <a:fld id="{E5350FC8-0CE1-43E1-A3FF-FF5648122D25}" type="slidenum">
               <a:rPr lang="zh-CN" altLang="en-US" smtClean="0"/>
               <a:t>‹#›</a:t>
             </a:fld>
@@ -515,7 +515,7 @@
     </p:spTree>
     <p:extLst>
       <p:ext uri="{BB962C8B-B14F-4D97-AF65-F5344CB8AC3E}">
-        <p14:creationId xmlns:p14="http://schemas.microsoft.com/office/powerpoint/2010/main" val="2788240728"/>
+        <p14:creationId xmlns:p14="http://schemas.microsoft.com/office/powerpoint/2010/main" val="700485529"/>
       </p:ext>
     </p:extLst>
   </p:cSld>
@@ -547,7 +547,7 @@
           <p:cNvPr id="2" name="竖排标题 1">
             <a:extLst>
               <a:ext uri="{FF2B5EF4-FFF2-40B4-BE49-F238E27FC236}">
-                <a16:creationId xmlns:a16="http://schemas.microsoft.com/office/drawing/2014/main" id="{E8501069-4DD0-BF15-3552-F5E18C8D0455}"/>
+                <a16:creationId xmlns:a16="http://schemas.microsoft.com/office/drawing/2014/main" id="{759506B4-096A-D359-2727-CB076C06071E}"/>
               </a:ext>
             </a:extLst>
           </p:cNvPr>
@@ -580,7 +580,7 @@
           <p:cNvPr id="3" name="竖排文字占位符 2">
             <a:extLst>
               <a:ext uri="{FF2B5EF4-FFF2-40B4-BE49-F238E27FC236}">
-                <a16:creationId xmlns:a16="http://schemas.microsoft.com/office/drawing/2014/main" id="{07A1C22D-C557-F6B0-31A4-9CAE694AB1D2}"/>
+                <a16:creationId xmlns:a16="http://schemas.microsoft.com/office/drawing/2014/main" id="{AC240FE4-235B-1D9F-6DF0-5B600A3DDFFA}"/>
               </a:ext>
             </a:extLst>
           </p:cNvPr>
@@ -642,7 +642,7 @@
           <p:cNvPr id="4" name="日期占位符 3">
             <a:extLst>
               <a:ext uri="{FF2B5EF4-FFF2-40B4-BE49-F238E27FC236}">
-                <a16:creationId xmlns:a16="http://schemas.microsoft.com/office/drawing/2014/main" id="{8E7B03A9-DECC-D75E-3190-206F30DBA9FA}"/>
+                <a16:creationId xmlns:a16="http://schemas.microsoft.com/office/drawing/2014/main" id="{FA7D8073-92A3-629D-5FB1-51C1A05DC88B}"/>
               </a:ext>
             </a:extLst>
           </p:cNvPr>
@@ -658,7 +658,7 @@
           <a:bodyPr/>
           <a:lstStyle/>
           <a:p>
-            <a:fld id="{20F14939-022F-42BD-95C5-B97EA66725D1}" type="datetimeFigureOut">
+            <a:fld id="{5D17E001-A548-461E-B5B7-78154871ABAD}" type="datetimeFigureOut">
               <a:rPr lang="zh-CN" altLang="en-US" smtClean="0"/>
               <a:t>2024/3/10</a:t>
             </a:fld>
@@ -671,7 +671,7 @@
           <p:cNvPr id="5" name="页脚占位符 4">
             <a:extLst>
               <a:ext uri="{FF2B5EF4-FFF2-40B4-BE49-F238E27FC236}">
-                <a16:creationId xmlns:a16="http://schemas.microsoft.com/office/drawing/2014/main" id="{2DC560CC-907B-03C4-365E-B6C4B1F601D3}"/>
+                <a16:creationId xmlns:a16="http://schemas.microsoft.com/office/drawing/2014/main" id="{DD51A7EA-5703-7890-2FD3-99C21E50B0E3}"/>
               </a:ext>
             </a:extLst>
           </p:cNvPr>
@@ -696,7 +696,7 @@
           <p:cNvPr id="6" name="灯片编号占位符 5">
             <a:extLst>
               <a:ext uri="{FF2B5EF4-FFF2-40B4-BE49-F238E27FC236}">
-                <a16:creationId xmlns:a16="http://schemas.microsoft.com/office/drawing/2014/main" id="{58658EA7-7703-DD02-3C66-4B65A4C94B50}"/>
+                <a16:creationId xmlns:a16="http://schemas.microsoft.com/office/drawing/2014/main" id="{3C369C74-C040-75BD-B0C5-0170DD4D738E}"/>
               </a:ext>
             </a:extLst>
           </p:cNvPr>
@@ -712,7 +712,7 @@
           <a:bodyPr/>
           <a:lstStyle/>
           <a:p>
-            <a:fld id="{F96871C2-FFB8-4AF0-AEA7-13CCDA2CBD2E}" type="slidenum">
+            <a:fld id="{E5350FC8-0CE1-43E1-A3FF-FF5648122D25}" type="slidenum">
               <a:rPr lang="zh-CN" altLang="en-US" smtClean="0"/>
               <a:t>‹#›</a:t>
             </a:fld>
@@ -723,7 +723,7 @@
     </p:spTree>
     <p:extLst>
       <p:ext uri="{BB962C8B-B14F-4D97-AF65-F5344CB8AC3E}">
-        <p14:creationId xmlns:p14="http://schemas.microsoft.com/office/powerpoint/2010/main" val="1343397684"/>
+        <p14:creationId xmlns:p14="http://schemas.microsoft.com/office/powerpoint/2010/main" val="2307682165"/>
       </p:ext>
     </p:extLst>
   </p:cSld>
@@ -755,7 +755,7 @@
           <p:cNvPr id="2" name="标题 1">
             <a:extLst>
               <a:ext uri="{FF2B5EF4-FFF2-40B4-BE49-F238E27FC236}">
-                <a16:creationId xmlns:a16="http://schemas.microsoft.com/office/drawing/2014/main" id="{40922B45-5D0F-ACD0-8EBC-E8E6BF0C0C28}"/>
+                <a16:creationId xmlns:a16="http://schemas.microsoft.com/office/drawing/2014/main" id="{791211EC-7669-967B-6914-5C3E7783978E}"/>
               </a:ext>
             </a:extLst>
           </p:cNvPr>
@@ -783,7 +783,7 @@
           <p:cNvPr id="3" name="内容占位符 2">
             <a:extLst>
               <a:ext uri="{FF2B5EF4-FFF2-40B4-BE49-F238E27FC236}">
-                <a16:creationId xmlns:a16="http://schemas.microsoft.com/office/drawing/2014/main" id="{4E6A0E65-13F0-7454-2398-B49BA72DD4DD}"/>
+                <a16:creationId xmlns:a16="http://schemas.microsoft.com/office/drawing/2014/main" id="{6CC4F2D7-7FDE-CB7A-80AC-5550E8253030}"/>
               </a:ext>
             </a:extLst>
           </p:cNvPr>
@@ -840,7 +840,7 @@
           <p:cNvPr id="4" name="日期占位符 3">
             <a:extLst>
               <a:ext uri="{FF2B5EF4-FFF2-40B4-BE49-F238E27FC236}">
-                <a16:creationId xmlns:a16="http://schemas.microsoft.com/office/drawing/2014/main" id="{8CA5F580-2850-2F38-F2EA-5B52445411D1}"/>
+                <a16:creationId xmlns:a16="http://schemas.microsoft.com/office/drawing/2014/main" id="{40298333-77CA-BF8E-7210-CD8C2F152A2F}"/>
               </a:ext>
             </a:extLst>
           </p:cNvPr>
@@ -856,7 +856,7 @@
           <a:bodyPr/>
           <a:lstStyle/>
           <a:p>
-            <a:fld id="{20F14939-022F-42BD-95C5-B97EA66725D1}" type="datetimeFigureOut">
+            <a:fld id="{5D17E001-A548-461E-B5B7-78154871ABAD}" type="datetimeFigureOut">
               <a:rPr lang="zh-CN" altLang="en-US" smtClean="0"/>
               <a:t>2024/3/10</a:t>
             </a:fld>
@@ -869,7 +869,7 @@
           <p:cNvPr id="5" name="页脚占位符 4">
             <a:extLst>
               <a:ext uri="{FF2B5EF4-FFF2-40B4-BE49-F238E27FC236}">
-                <a16:creationId xmlns:a16="http://schemas.microsoft.com/office/drawing/2014/main" id="{DFB9EAA0-17E1-B454-AAD3-4CC8E451DC3C}"/>
+                <a16:creationId xmlns:a16="http://schemas.microsoft.com/office/drawing/2014/main" id="{5888869A-7E1A-6921-E37E-5BDE82132C29}"/>
               </a:ext>
             </a:extLst>
           </p:cNvPr>
@@ -894,7 +894,7 @@
           <p:cNvPr id="6" name="灯片编号占位符 5">
             <a:extLst>
               <a:ext uri="{FF2B5EF4-FFF2-40B4-BE49-F238E27FC236}">
-                <a16:creationId xmlns:a16="http://schemas.microsoft.com/office/drawing/2014/main" id="{395DD3B3-AB5F-9BA5-A6A1-B34EFEB90F98}"/>
+                <a16:creationId xmlns:a16="http://schemas.microsoft.com/office/drawing/2014/main" id="{87C80509-F83D-F0EC-796A-CEC2E2A123A1}"/>
               </a:ext>
             </a:extLst>
           </p:cNvPr>
@@ -910,7 +910,7 @@
           <a:bodyPr/>
           <a:lstStyle/>
           <a:p>
-            <a:fld id="{F96871C2-FFB8-4AF0-AEA7-13CCDA2CBD2E}" type="slidenum">
+            <a:fld id="{E5350FC8-0CE1-43E1-A3FF-FF5648122D25}" type="slidenum">
               <a:rPr lang="zh-CN" altLang="en-US" smtClean="0"/>
               <a:t>‹#›</a:t>
             </a:fld>
@@ -921,7 +921,7 @@
     </p:spTree>
     <p:extLst>
       <p:ext uri="{BB962C8B-B14F-4D97-AF65-F5344CB8AC3E}">
-        <p14:creationId xmlns:p14="http://schemas.microsoft.com/office/powerpoint/2010/main" val="2316561750"/>
+        <p14:creationId xmlns:p14="http://schemas.microsoft.com/office/powerpoint/2010/main" val="2849322664"/>
       </p:ext>
     </p:extLst>
   </p:cSld>
@@ -953,7 +953,7 @@
           <p:cNvPr id="2" name="标题 1">
             <a:extLst>
               <a:ext uri="{FF2B5EF4-FFF2-40B4-BE49-F238E27FC236}">
-                <a16:creationId xmlns:a16="http://schemas.microsoft.com/office/drawing/2014/main" id="{C7698601-D770-51DF-8F24-542A29B59E06}"/>
+                <a16:creationId xmlns:a16="http://schemas.microsoft.com/office/drawing/2014/main" id="{E4CAE8E0-43EC-5876-09BD-DB1E82805A1E}"/>
               </a:ext>
             </a:extLst>
           </p:cNvPr>
@@ -990,7 +990,7 @@
           <p:cNvPr id="3" name="文本占位符 2">
             <a:extLst>
               <a:ext uri="{FF2B5EF4-FFF2-40B4-BE49-F238E27FC236}">
-                <a16:creationId xmlns:a16="http://schemas.microsoft.com/office/drawing/2014/main" id="{B0D4F575-36BD-C826-8383-F053059E1191}"/>
+                <a16:creationId xmlns:a16="http://schemas.microsoft.com/office/drawing/2014/main" id="{6D736828-59FC-81A4-0682-38CFB0C3A3AF}"/>
               </a:ext>
             </a:extLst>
           </p:cNvPr>
@@ -1115,7 +1115,7 @@
           <p:cNvPr id="4" name="日期占位符 3">
             <a:extLst>
               <a:ext uri="{FF2B5EF4-FFF2-40B4-BE49-F238E27FC236}">
-                <a16:creationId xmlns:a16="http://schemas.microsoft.com/office/drawing/2014/main" id="{14BAEE57-29BE-AD23-16EE-31BADCB01E4B}"/>
+                <a16:creationId xmlns:a16="http://schemas.microsoft.com/office/drawing/2014/main" id="{8202E450-B528-69F5-44A1-E90324707950}"/>
               </a:ext>
             </a:extLst>
           </p:cNvPr>
@@ -1131,7 +1131,7 @@
           <a:bodyPr/>
           <a:lstStyle/>
           <a:p>
-            <a:fld id="{20F14939-022F-42BD-95C5-B97EA66725D1}" type="datetimeFigureOut">
+            <a:fld id="{5D17E001-A548-461E-B5B7-78154871ABAD}" type="datetimeFigureOut">
               <a:rPr lang="zh-CN" altLang="en-US" smtClean="0"/>
               <a:t>2024/3/10</a:t>
             </a:fld>
@@ -1144,7 +1144,7 @@
           <p:cNvPr id="5" name="页脚占位符 4">
             <a:extLst>
               <a:ext uri="{FF2B5EF4-FFF2-40B4-BE49-F238E27FC236}">
-                <a16:creationId xmlns:a16="http://schemas.microsoft.com/office/drawing/2014/main" id="{B33A92B3-7C1C-CEED-231F-78963964319C}"/>
+                <a16:creationId xmlns:a16="http://schemas.microsoft.com/office/drawing/2014/main" id="{97208304-484B-7CBB-1F68-AB6625F4BA87}"/>
               </a:ext>
             </a:extLst>
           </p:cNvPr>
@@ -1169,7 +1169,7 @@
           <p:cNvPr id="6" name="灯片编号占位符 5">
             <a:extLst>
               <a:ext uri="{FF2B5EF4-FFF2-40B4-BE49-F238E27FC236}">
-                <a16:creationId xmlns:a16="http://schemas.microsoft.com/office/drawing/2014/main" id="{0FE3E465-39AA-D533-272B-DDD4CE85862E}"/>
+                <a16:creationId xmlns:a16="http://schemas.microsoft.com/office/drawing/2014/main" id="{E79D51B2-F513-7382-DF0C-F0A044071F1D}"/>
               </a:ext>
             </a:extLst>
           </p:cNvPr>
@@ -1185,7 +1185,7 @@
           <a:bodyPr/>
           <a:lstStyle/>
           <a:p>
-            <a:fld id="{F96871C2-FFB8-4AF0-AEA7-13CCDA2CBD2E}" type="slidenum">
+            <a:fld id="{E5350FC8-0CE1-43E1-A3FF-FF5648122D25}" type="slidenum">
               <a:rPr lang="zh-CN" altLang="en-US" smtClean="0"/>
               <a:t>‹#›</a:t>
             </a:fld>
@@ -1196,7 +1196,7 @@
     </p:spTree>
     <p:extLst>
       <p:ext uri="{BB962C8B-B14F-4D97-AF65-F5344CB8AC3E}">
-        <p14:creationId xmlns:p14="http://schemas.microsoft.com/office/powerpoint/2010/main" val="1629010269"/>
+        <p14:creationId xmlns:p14="http://schemas.microsoft.com/office/powerpoint/2010/main" val="1864396966"/>
       </p:ext>
     </p:extLst>
   </p:cSld>
@@ -1228,7 +1228,7 @@
           <p:cNvPr id="2" name="标题 1">
             <a:extLst>
               <a:ext uri="{FF2B5EF4-FFF2-40B4-BE49-F238E27FC236}">
-                <a16:creationId xmlns:a16="http://schemas.microsoft.com/office/drawing/2014/main" id="{2C45FC14-8267-FC86-D702-27BCF0AB6261}"/>
+                <a16:creationId xmlns:a16="http://schemas.microsoft.com/office/drawing/2014/main" id="{4813DDCB-6C58-BCDB-2B02-B5DF8DA5DBBD}"/>
               </a:ext>
             </a:extLst>
           </p:cNvPr>
@@ -1256,7 +1256,7 @@
           <p:cNvPr id="3" name="内容占位符 2">
             <a:extLst>
               <a:ext uri="{FF2B5EF4-FFF2-40B4-BE49-F238E27FC236}">
-                <a16:creationId xmlns:a16="http://schemas.microsoft.com/office/drawing/2014/main" id="{137A8CE1-4747-43D1-44C0-861EED0AE397}"/>
+                <a16:creationId xmlns:a16="http://schemas.microsoft.com/office/drawing/2014/main" id="{46C16AE4-CBA5-07F8-DCAD-8BDD7FB06012}"/>
               </a:ext>
             </a:extLst>
           </p:cNvPr>
@@ -1318,7 +1318,7 @@
           <p:cNvPr id="4" name="内容占位符 3">
             <a:extLst>
               <a:ext uri="{FF2B5EF4-FFF2-40B4-BE49-F238E27FC236}">
-                <a16:creationId xmlns:a16="http://schemas.microsoft.com/office/drawing/2014/main" id="{4D7AF9F9-04F1-A3F4-0BA6-47B533474354}"/>
+                <a16:creationId xmlns:a16="http://schemas.microsoft.com/office/drawing/2014/main" id="{1DC968F6-83D2-B8E8-60B0-01A2F81FCEF7}"/>
               </a:ext>
             </a:extLst>
           </p:cNvPr>
@@ -1380,7 +1380,7 @@
           <p:cNvPr id="5" name="日期占位符 4">
             <a:extLst>
               <a:ext uri="{FF2B5EF4-FFF2-40B4-BE49-F238E27FC236}">
-                <a16:creationId xmlns:a16="http://schemas.microsoft.com/office/drawing/2014/main" id="{01A0C8AF-86EC-ABE4-7ABD-5EFD061878D5}"/>
+                <a16:creationId xmlns:a16="http://schemas.microsoft.com/office/drawing/2014/main" id="{8E79DA0C-C6AE-0B92-BB1D-DC5D75DDE4B6}"/>
               </a:ext>
             </a:extLst>
           </p:cNvPr>
@@ -1396,7 +1396,7 @@
           <a:bodyPr/>
           <a:lstStyle/>
           <a:p>
-            <a:fld id="{20F14939-022F-42BD-95C5-B97EA66725D1}" type="datetimeFigureOut">
+            <a:fld id="{5D17E001-A548-461E-B5B7-78154871ABAD}" type="datetimeFigureOut">
               <a:rPr lang="zh-CN" altLang="en-US" smtClean="0"/>
               <a:t>2024/3/10</a:t>
             </a:fld>
@@ -1409,7 +1409,7 @@
           <p:cNvPr id="6" name="页脚占位符 5">
             <a:extLst>
               <a:ext uri="{FF2B5EF4-FFF2-40B4-BE49-F238E27FC236}">
-                <a16:creationId xmlns:a16="http://schemas.microsoft.com/office/drawing/2014/main" id="{88C995AF-F20D-E468-012E-B2056A733E0E}"/>
+                <a16:creationId xmlns:a16="http://schemas.microsoft.com/office/drawing/2014/main" id="{BFC04DAB-356E-C92B-7E70-F051A636352D}"/>
               </a:ext>
             </a:extLst>
           </p:cNvPr>
@@ -1434,7 +1434,7 @@
           <p:cNvPr id="7" name="灯片编号占位符 6">
             <a:extLst>
               <a:ext uri="{FF2B5EF4-FFF2-40B4-BE49-F238E27FC236}">
-                <a16:creationId xmlns:a16="http://schemas.microsoft.com/office/drawing/2014/main" id="{9151AA06-A400-3471-F699-1153C62D3B25}"/>
+                <a16:creationId xmlns:a16="http://schemas.microsoft.com/office/drawing/2014/main" id="{B38E6395-C644-B58F-4C4D-3DBEA9A7DCAD}"/>
               </a:ext>
             </a:extLst>
           </p:cNvPr>
@@ -1450,7 +1450,7 @@
           <a:bodyPr/>
           <a:lstStyle/>
           <a:p>
-            <a:fld id="{F96871C2-FFB8-4AF0-AEA7-13CCDA2CBD2E}" type="slidenum">
+            <a:fld id="{E5350FC8-0CE1-43E1-A3FF-FF5648122D25}" type="slidenum">
               <a:rPr lang="zh-CN" altLang="en-US" smtClean="0"/>
               <a:t>‹#›</a:t>
             </a:fld>
@@ -1461,7 +1461,7 @@
     </p:spTree>
     <p:extLst>
       <p:ext uri="{BB962C8B-B14F-4D97-AF65-F5344CB8AC3E}">
-        <p14:creationId xmlns:p14="http://schemas.microsoft.com/office/powerpoint/2010/main" val="3443143951"/>
+        <p14:creationId xmlns:p14="http://schemas.microsoft.com/office/powerpoint/2010/main" val="630843408"/>
       </p:ext>
     </p:extLst>
   </p:cSld>
@@ -1493,7 +1493,7 @@
           <p:cNvPr id="2" name="标题 1">
             <a:extLst>
               <a:ext uri="{FF2B5EF4-FFF2-40B4-BE49-F238E27FC236}">
-                <a16:creationId xmlns:a16="http://schemas.microsoft.com/office/drawing/2014/main" id="{9507A5B3-3D18-9C51-A545-02A346451A65}"/>
+                <a16:creationId xmlns:a16="http://schemas.microsoft.com/office/drawing/2014/main" id="{9960141E-A2D1-42F3-AB75-AD670B75BD39}"/>
               </a:ext>
             </a:extLst>
           </p:cNvPr>
@@ -1526,7 +1526,7 @@
           <p:cNvPr id="3" name="文本占位符 2">
             <a:extLst>
               <a:ext uri="{FF2B5EF4-FFF2-40B4-BE49-F238E27FC236}">
-                <a16:creationId xmlns:a16="http://schemas.microsoft.com/office/drawing/2014/main" id="{A301640F-530A-10DB-5DCA-E7E10A6E06AA}"/>
+                <a16:creationId xmlns:a16="http://schemas.microsoft.com/office/drawing/2014/main" id="{96690C47-796A-C5BE-3789-F87AF0D8FE51}"/>
               </a:ext>
             </a:extLst>
           </p:cNvPr>
@@ -1597,7 +1597,7 @@
           <p:cNvPr id="4" name="内容占位符 3">
             <a:extLst>
               <a:ext uri="{FF2B5EF4-FFF2-40B4-BE49-F238E27FC236}">
-                <a16:creationId xmlns:a16="http://schemas.microsoft.com/office/drawing/2014/main" id="{DCE8D111-5776-522C-BEA3-877C3AD92FD3}"/>
+                <a16:creationId xmlns:a16="http://schemas.microsoft.com/office/drawing/2014/main" id="{760D2E47-EF19-7CC9-957B-C1A236A282AF}"/>
               </a:ext>
             </a:extLst>
           </p:cNvPr>
@@ -1659,7 +1659,7 @@
           <p:cNvPr id="5" name="文本占位符 4">
             <a:extLst>
               <a:ext uri="{FF2B5EF4-FFF2-40B4-BE49-F238E27FC236}">
-                <a16:creationId xmlns:a16="http://schemas.microsoft.com/office/drawing/2014/main" id="{28AE63D6-F646-D96A-DC9E-2B3E6365001D}"/>
+                <a16:creationId xmlns:a16="http://schemas.microsoft.com/office/drawing/2014/main" id="{7C718AFE-D5F7-F5E2-6FA2-4C34101E9BC2}"/>
               </a:ext>
             </a:extLst>
           </p:cNvPr>
@@ -1730,7 +1730,7 @@
           <p:cNvPr id="6" name="内容占位符 5">
             <a:extLst>
               <a:ext uri="{FF2B5EF4-FFF2-40B4-BE49-F238E27FC236}">
-                <a16:creationId xmlns:a16="http://schemas.microsoft.com/office/drawing/2014/main" id="{A8B4574B-D2ED-232D-EAC4-D48893B7A0F0}"/>
+                <a16:creationId xmlns:a16="http://schemas.microsoft.com/office/drawing/2014/main" id="{1EC7F8C1-578D-7FC9-BD48-394B5413D64D}"/>
               </a:ext>
             </a:extLst>
           </p:cNvPr>
@@ -1792,7 +1792,7 @@
           <p:cNvPr id="7" name="日期占位符 6">
             <a:extLst>
               <a:ext uri="{FF2B5EF4-FFF2-40B4-BE49-F238E27FC236}">
-                <a16:creationId xmlns:a16="http://schemas.microsoft.com/office/drawing/2014/main" id="{EA3881E0-FCD1-3C54-6911-32EC89C1D6A1}"/>
+                <a16:creationId xmlns:a16="http://schemas.microsoft.com/office/drawing/2014/main" id="{05FA1878-80EC-C950-8553-BDB30BCB4986}"/>
               </a:ext>
             </a:extLst>
           </p:cNvPr>
@@ -1808,7 +1808,7 @@
           <a:bodyPr/>
           <a:lstStyle/>
           <a:p>
-            <a:fld id="{20F14939-022F-42BD-95C5-B97EA66725D1}" type="datetimeFigureOut">
+            <a:fld id="{5D17E001-A548-461E-B5B7-78154871ABAD}" type="datetimeFigureOut">
               <a:rPr lang="zh-CN" altLang="en-US" smtClean="0"/>
               <a:t>2024/3/10</a:t>
             </a:fld>
@@ -1821,7 +1821,7 @@
           <p:cNvPr id="8" name="页脚占位符 7">
             <a:extLst>
               <a:ext uri="{FF2B5EF4-FFF2-40B4-BE49-F238E27FC236}">
-                <a16:creationId xmlns:a16="http://schemas.microsoft.com/office/drawing/2014/main" id="{89AB67FB-2738-FC03-C515-AFA7E56FE5D5}"/>
+                <a16:creationId xmlns:a16="http://schemas.microsoft.com/office/drawing/2014/main" id="{E127EDB3-E1B9-625E-808D-B1D8E7A7586F}"/>
               </a:ext>
             </a:extLst>
           </p:cNvPr>
@@ -1846,7 +1846,7 @@
           <p:cNvPr id="9" name="灯片编号占位符 8">
             <a:extLst>
               <a:ext uri="{FF2B5EF4-FFF2-40B4-BE49-F238E27FC236}">
-                <a16:creationId xmlns:a16="http://schemas.microsoft.com/office/drawing/2014/main" id="{2436A061-44A1-5242-CF59-F05FBAD46009}"/>
+                <a16:creationId xmlns:a16="http://schemas.microsoft.com/office/drawing/2014/main" id="{2845D0E1-3400-7A24-5643-91A2E2B498EC}"/>
               </a:ext>
             </a:extLst>
           </p:cNvPr>
@@ -1862,7 +1862,7 @@
           <a:bodyPr/>
           <a:lstStyle/>
           <a:p>
-            <a:fld id="{F96871C2-FFB8-4AF0-AEA7-13CCDA2CBD2E}" type="slidenum">
+            <a:fld id="{E5350FC8-0CE1-43E1-A3FF-FF5648122D25}" type="slidenum">
               <a:rPr lang="zh-CN" altLang="en-US" smtClean="0"/>
               <a:t>‹#›</a:t>
             </a:fld>
@@ -1873,7 +1873,7 @@
     </p:spTree>
     <p:extLst>
       <p:ext uri="{BB962C8B-B14F-4D97-AF65-F5344CB8AC3E}">
-        <p14:creationId xmlns:p14="http://schemas.microsoft.com/office/powerpoint/2010/main" val="2332723918"/>
+        <p14:creationId xmlns:p14="http://schemas.microsoft.com/office/powerpoint/2010/main" val="3865522926"/>
       </p:ext>
     </p:extLst>
   </p:cSld>
@@ -1905,7 +1905,7 @@
           <p:cNvPr id="2" name="标题 1">
             <a:extLst>
               <a:ext uri="{FF2B5EF4-FFF2-40B4-BE49-F238E27FC236}">
-                <a16:creationId xmlns:a16="http://schemas.microsoft.com/office/drawing/2014/main" id="{DBFDCF8B-50EE-A773-4AD2-7A6DDC77735F}"/>
+                <a16:creationId xmlns:a16="http://schemas.microsoft.com/office/drawing/2014/main" id="{88DD96B9-81DD-9F46-14E0-B84F3BA30993}"/>
               </a:ext>
             </a:extLst>
           </p:cNvPr>
@@ -1933,7 +1933,7 @@
           <p:cNvPr id="3" name="日期占位符 2">
             <a:extLst>
               <a:ext uri="{FF2B5EF4-FFF2-40B4-BE49-F238E27FC236}">
-                <a16:creationId xmlns:a16="http://schemas.microsoft.com/office/drawing/2014/main" id="{D7AF086C-8E06-E696-6541-927513AEE123}"/>
+                <a16:creationId xmlns:a16="http://schemas.microsoft.com/office/drawing/2014/main" id="{9A7B298C-4878-4A0A-433F-F9A323EED334}"/>
               </a:ext>
             </a:extLst>
           </p:cNvPr>
@@ -1949,7 +1949,7 @@
           <a:bodyPr/>
           <a:lstStyle/>
           <a:p>
-            <a:fld id="{20F14939-022F-42BD-95C5-B97EA66725D1}" type="datetimeFigureOut">
+            <a:fld id="{5D17E001-A548-461E-B5B7-78154871ABAD}" type="datetimeFigureOut">
               <a:rPr lang="zh-CN" altLang="en-US" smtClean="0"/>
               <a:t>2024/3/10</a:t>
             </a:fld>
@@ -1962,7 +1962,7 @@
           <p:cNvPr id="4" name="页脚占位符 3">
             <a:extLst>
               <a:ext uri="{FF2B5EF4-FFF2-40B4-BE49-F238E27FC236}">
-                <a16:creationId xmlns:a16="http://schemas.microsoft.com/office/drawing/2014/main" id="{F9C3B9DF-4625-C06C-9255-9D0E2578E870}"/>
+                <a16:creationId xmlns:a16="http://schemas.microsoft.com/office/drawing/2014/main" id="{6B4D9DD1-37D0-17EC-6A7C-64E251C964D4}"/>
               </a:ext>
             </a:extLst>
           </p:cNvPr>
@@ -1987,7 +1987,7 @@
           <p:cNvPr id="5" name="灯片编号占位符 4">
             <a:extLst>
               <a:ext uri="{FF2B5EF4-FFF2-40B4-BE49-F238E27FC236}">
-                <a16:creationId xmlns:a16="http://schemas.microsoft.com/office/drawing/2014/main" id="{DB7E010F-3DC4-AB36-716F-B5A9390F98E4}"/>
+                <a16:creationId xmlns:a16="http://schemas.microsoft.com/office/drawing/2014/main" id="{7C498019-287B-8242-95A2-00F05AC969C1}"/>
               </a:ext>
             </a:extLst>
           </p:cNvPr>
@@ -2003,7 +2003,7 @@
           <a:bodyPr/>
           <a:lstStyle/>
           <a:p>
-            <a:fld id="{F96871C2-FFB8-4AF0-AEA7-13CCDA2CBD2E}" type="slidenum">
+            <a:fld id="{E5350FC8-0CE1-43E1-A3FF-FF5648122D25}" type="slidenum">
               <a:rPr lang="zh-CN" altLang="en-US" smtClean="0"/>
               <a:t>‹#›</a:t>
             </a:fld>
@@ -2014,7 +2014,7 @@
     </p:spTree>
     <p:extLst>
       <p:ext uri="{BB962C8B-B14F-4D97-AF65-F5344CB8AC3E}">
-        <p14:creationId xmlns:p14="http://schemas.microsoft.com/office/powerpoint/2010/main" val="2692260656"/>
+        <p14:creationId xmlns:p14="http://schemas.microsoft.com/office/powerpoint/2010/main" val="3104706453"/>
       </p:ext>
     </p:extLst>
   </p:cSld>
@@ -2046,7 +2046,7 @@
           <p:cNvPr id="2" name="日期占位符 1">
             <a:extLst>
               <a:ext uri="{FF2B5EF4-FFF2-40B4-BE49-F238E27FC236}">
-                <a16:creationId xmlns:a16="http://schemas.microsoft.com/office/drawing/2014/main" id="{54C523CE-85E8-14F1-EBA4-2F4CC9F464C5}"/>
+                <a16:creationId xmlns:a16="http://schemas.microsoft.com/office/drawing/2014/main" id="{37428F58-D1AB-5E70-4763-CEF8E42A7D4B}"/>
               </a:ext>
             </a:extLst>
           </p:cNvPr>
@@ -2062,7 +2062,7 @@
           <a:bodyPr/>
           <a:lstStyle/>
           <a:p>
-            <a:fld id="{20F14939-022F-42BD-95C5-B97EA66725D1}" type="datetimeFigureOut">
+            <a:fld id="{5D17E001-A548-461E-B5B7-78154871ABAD}" type="datetimeFigureOut">
               <a:rPr lang="zh-CN" altLang="en-US" smtClean="0"/>
               <a:t>2024/3/10</a:t>
             </a:fld>
@@ -2075,7 +2075,7 @@
           <p:cNvPr id="3" name="页脚占位符 2">
             <a:extLst>
               <a:ext uri="{FF2B5EF4-FFF2-40B4-BE49-F238E27FC236}">
-                <a16:creationId xmlns:a16="http://schemas.microsoft.com/office/drawing/2014/main" id="{C17BEB21-31C9-D0FA-7659-3FB5DF03A918}"/>
+                <a16:creationId xmlns:a16="http://schemas.microsoft.com/office/drawing/2014/main" id="{A86DBC01-EEC1-62DE-097C-008D0212F968}"/>
               </a:ext>
             </a:extLst>
           </p:cNvPr>
@@ -2100,7 +2100,7 @@
           <p:cNvPr id="4" name="灯片编号占位符 3">
             <a:extLst>
               <a:ext uri="{FF2B5EF4-FFF2-40B4-BE49-F238E27FC236}">
-                <a16:creationId xmlns:a16="http://schemas.microsoft.com/office/drawing/2014/main" id="{E859CCC5-51F5-02C4-E1CF-E9590DAB9822}"/>
+                <a16:creationId xmlns:a16="http://schemas.microsoft.com/office/drawing/2014/main" id="{B485A533-C5FB-883D-0A93-B2044B1CEF12}"/>
               </a:ext>
             </a:extLst>
           </p:cNvPr>
@@ -2116,7 +2116,7 @@
           <a:bodyPr/>
           <a:lstStyle/>
           <a:p>
-            <a:fld id="{F96871C2-FFB8-4AF0-AEA7-13CCDA2CBD2E}" type="slidenum">
+            <a:fld id="{E5350FC8-0CE1-43E1-A3FF-FF5648122D25}" type="slidenum">
               <a:rPr lang="zh-CN" altLang="en-US" smtClean="0"/>
               <a:t>‹#›</a:t>
             </a:fld>
@@ -2127,7 +2127,7 @@
     </p:spTree>
     <p:extLst>
       <p:ext uri="{BB962C8B-B14F-4D97-AF65-F5344CB8AC3E}">
-        <p14:creationId xmlns:p14="http://schemas.microsoft.com/office/powerpoint/2010/main" val="2267103040"/>
+        <p14:creationId xmlns:p14="http://schemas.microsoft.com/office/powerpoint/2010/main" val="466678272"/>
       </p:ext>
     </p:extLst>
   </p:cSld>
@@ -2159,7 +2159,7 @@
           <p:cNvPr id="2" name="标题 1">
             <a:extLst>
               <a:ext uri="{FF2B5EF4-FFF2-40B4-BE49-F238E27FC236}">
-                <a16:creationId xmlns:a16="http://schemas.microsoft.com/office/drawing/2014/main" id="{8F592D49-B45F-B626-EAB7-FE7894553D7D}"/>
+                <a16:creationId xmlns:a16="http://schemas.microsoft.com/office/drawing/2014/main" id="{C118E460-094C-AC1E-41A5-5B8A6F24460F}"/>
               </a:ext>
             </a:extLst>
           </p:cNvPr>
@@ -2196,7 +2196,7 @@
           <p:cNvPr id="3" name="内容占位符 2">
             <a:extLst>
               <a:ext uri="{FF2B5EF4-FFF2-40B4-BE49-F238E27FC236}">
-                <a16:creationId xmlns:a16="http://schemas.microsoft.com/office/drawing/2014/main" id="{700A28F1-44DD-0ED6-BB16-DAB1E516424C}"/>
+                <a16:creationId xmlns:a16="http://schemas.microsoft.com/office/drawing/2014/main" id="{114D8CEF-5F57-7B73-0A34-53F7937F6EC0}"/>
               </a:ext>
             </a:extLst>
           </p:cNvPr>
@@ -2286,7 +2286,7 @@
           <p:cNvPr id="4" name="文本占位符 3">
             <a:extLst>
               <a:ext uri="{FF2B5EF4-FFF2-40B4-BE49-F238E27FC236}">
-                <a16:creationId xmlns:a16="http://schemas.microsoft.com/office/drawing/2014/main" id="{17D8EF06-CC9B-1FBF-17D9-53BFEF7DEF55}"/>
+                <a16:creationId xmlns:a16="http://schemas.microsoft.com/office/drawing/2014/main" id="{8F5303A9-9CCD-A07F-9AC1-EBC00ADCADF3}"/>
               </a:ext>
             </a:extLst>
           </p:cNvPr>
@@ -2357,7 +2357,7 @@
           <p:cNvPr id="5" name="日期占位符 4">
             <a:extLst>
               <a:ext uri="{FF2B5EF4-FFF2-40B4-BE49-F238E27FC236}">
-                <a16:creationId xmlns:a16="http://schemas.microsoft.com/office/drawing/2014/main" id="{D3A033DD-AB52-94B2-09E6-F51D0F96BF0A}"/>
+                <a16:creationId xmlns:a16="http://schemas.microsoft.com/office/drawing/2014/main" id="{4EAB0F06-0CE6-0D27-23F5-12F71948D765}"/>
               </a:ext>
             </a:extLst>
           </p:cNvPr>
@@ -2373,7 +2373,7 @@
           <a:bodyPr/>
           <a:lstStyle/>
           <a:p>
-            <a:fld id="{20F14939-022F-42BD-95C5-B97EA66725D1}" type="datetimeFigureOut">
+            <a:fld id="{5D17E001-A548-461E-B5B7-78154871ABAD}" type="datetimeFigureOut">
               <a:rPr lang="zh-CN" altLang="en-US" smtClean="0"/>
               <a:t>2024/3/10</a:t>
             </a:fld>
@@ -2386,7 +2386,7 @@
           <p:cNvPr id="6" name="页脚占位符 5">
             <a:extLst>
               <a:ext uri="{FF2B5EF4-FFF2-40B4-BE49-F238E27FC236}">
-                <a16:creationId xmlns:a16="http://schemas.microsoft.com/office/drawing/2014/main" id="{E94F6736-AEE9-C1A6-2A1E-3EE64166D60E}"/>
+                <a16:creationId xmlns:a16="http://schemas.microsoft.com/office/drawing/2014/main" id="{B9741686-20FC-E6F7-DBB6-D721450D3D8E}"/>
               </a:ext>
             </a:extLst>
           </p:cNvPr>
@@ -2411,7 +2411,7 @@
           <p:cNvPr id="7" name="灯片编号占位符 6">
             <a:extLst>
               <a:ext uri="{FF2B5EF4-FFF2-40B4-BE49-F238E27FC236}">
-                <a16:creationId xmlns:a16="http://schemas.microsoft.com/office/drawing/2014/main" id="{5A92652E-B122-3F2B-8727-291F12EA7269}"/>
+                <a16:creationId xmlns:a16="http://schemas.microsoft.com/office/drawing/2014/main" id="{23B7C766-0DE5-829A-C196-22A69E97C26B}"/>
               </a:ext>
             </a:extLst>
           </p:cNvPr>
@@ -2427,7 +2427,7 @@
           <a:bodyPr/>
           <a:lstStyle/>
           <a:p>
-            <a:fld id="{F96871C2-FFB8-4AF0-AEA7-13CCDA2CBD2E}" type="slidenum">
+            <a:fld id="{E5350FC8-0CE1-43E1-A3FF-FF5648122D25}" type="slidenum">
               <a:rPr lang="zh-CN" altLang="en-US" smtClean="0"/>
               <a:t>‹#›</a:t>
             </a:fld>
@@ -2438,7 +2438,7 @@
     </p:spTree>
     <p:extLst>
       <p:ext uri="{BB962C8B-B14F-4D97-AF65-F5344CB8AC3E}">
-        <p14:creationId xmlns:p14="http://schemas.microsoft.com/office/powerpoint/2010/main" val="129548696"/>
+        <p14:creationId xmlns:p14="http://schemas.microsoft.com/office/powerpoint/2010/main" val="521796326"/>
       </p:ext>
     </p:extLst>
   </p:cSld>
@@ -2470,7 +2470,7 @@
           <p:cNvPr id="2" name="标题 1">
             <a:extLst>
               <a:ext uri="{FF2B5EF4-FFF2-40B4-BE49-F238E27FC236}">
-                <a16:creationId xmlns:a16="http://schemas.microsoft.com/office/drawing/2014/main" id="{0BFAA56D-F5BF-5E45-0A89-47F33F574FED}"/>
+                <a16:creationId xmlns:a16="http://schemas.microsoft.com/office/drawing/2014/main" id="{57F70B1B-1455-8590-AD0F-58D3D504971F}"/>
               </a:ext>
             </a:extLst>
           </p:cNvPr>
@@ -2507,7 +2507,7 @@
           <p:cNvPr id="3" name="图片占位符 2">
             <a:extLst>
               <a:ext uri="{FF2B5EF4-FFF2-40B4-BE49-F238E27FC236}">
-                <a16:creationId xmlns:a16="http://schemas.microsoft.com/office/drawing/2014/main" id="{57A107F6-5CC3-07C2-1E7F-104171E0823B}"/>
+                <a16:creationId xmlns:a16="http://schemas.microsoft.com/office/drawing/2014/main" id="{7E97E7DC-E442-656F-12F7-590F749E17C1}"/>
               </a:ext>
             </a:extLst>
           </p:cNvPr>
@@ -2574,7 +2574,7 @@
           <p:cNvPr id="4" name="文本占位符 3">
             <a:extLst>
               <a:ext uri="{FF2B5EF4-FFF2-40B4-BE49-F238E27FC236}">
-                <a16:creationId xmlns:a16="http://schemas.microsoft.com/office/drawing/2014/main" id="{9908639B-C61A-5A68-1376-89C8BC5E2AA8}"/>
+                <a16:creationId xmlns:a16="http://schemas.microsoft.com/office/drawing/2014/main" id="{B5798EA6-D55C-75D2-BF6E-628CBA72199A}"/>
               </a:ext>
             </a:extLst>
           </p:cNvPr>
@@ -2645,7 +2645,7 @@
           <p:cNvPr id="5" name="日期占位符 4">
             <a:extLst>
               <a:ext uri="{FF2B5EF4-FFF2-40B4-BE49-F238E27FC236}">
-                <a16:creationId xmlns:a16="http://schemas.microsoft.com/office/drawing/2014/main" id="{972900B3-0161-AFDE-57F6-111C6CFE781D}"/>
+                <a16:creationId xmlns:a16="http://schemas.microsoft.com/office/drawing/2014/main" id="{C3C7D541-2AB9-E96A-7E16-1676F1F98E37}"/>
               </a:ext>
             </a:extLst>
           </p:cNvPr>
@@ -2661,7 +2661,7 @@
           <a:bodyPr/>
           <a:lstStyle/>
           <a:p>
-            <a:fld id="{20F14939-022F-42BD-95C5-B97EA66725D1}" type="datetimeFigureOut">
+            <a:fld id="{5D17E001-A548-461E-B5B7-78154871ABAD}" type="datetimeFigureOut">
               <a:rPr lang="zh-CN" altLang="en-US" smtClean="0"/>
               <a:t>2024/3/10</a:t>
             </a:fld>
@@ -2674,7 +2674,7 @@
           <p:cNvPr id="6" name="页脚占位符 5">
             <a:extLst>
               <a:ext uri="{FF2B5EF4-FFF2-40B4-BE49-F238E27FC236}">
-                <a16:creationId xmlns:a16="http://schemas.microsoft.com/office/drawing/2014/main" id="{9BB9FAD9-DB7D-C37F-C706-6908B113ECA4}"/>
+                <a16:creationId xmlns:a16="http://schemas.microsoft.com/office/drawing/2014/main" id="{EB47559D-A62E-CD53-5C5D-F56A96491D7D}"/>
               </a:ext>
             </a:extLst>
           </p:cNvPr>
@@ -2699,7 +2699,7 @@
           <p:cNvPr id="7" name="灯片编号占位符 6">
             <a:extLst>
               <a:ext uri="{FF2B5EF4-FFF2-40B4-BE49-F238E27FC236}">
-                <a16:creationId xmlns:a16="http://schemas.microsoft.com/office/drawing/2014/main" id="{295A5F50-6576-35AC-6670-17230013D557}"/>
+                <a16:creationId xmlns:a16="http://schemas.microsoft.com/office/drawing/2014/main" id="{E0BA9E58-2D8D-F81A-52D6-E5C8BCC20AAB}"/>
               </a:ext>
             </a:extLst>
           </p:cNvPr>
@@ -2715,7 +2715,7 @@
           <a:bodyPr/>
           <a:lstStyle/>
           <a:p>
-            <a:fld id="{F96871C2-FFB8-4AF0-AEA7-13CCDA2CBD2E}" type="slidenum">
+            <a:fld id="{E5350FC8-0CE1-43E1-A3FF-FF5648122D25}" type="slidenum">
               <a:rPr lang="zh-CN" altLang="en-US" smtClean="0"/>
               <a:t>‹#›</a:t>
             </a:fld>
@@ -2726,7 +2726,7 @@
     </p:spTree>
     <p:extLst>
       <p:ext uri="{BB962C8B-B14F-4D97-AF65-F5344CB8AC3E}">
-        <p14:creationId xmlns:p14="http://schemas.microsoft.com/office/powerpoint/2010/main" val="214425009"/>
+        <p14:creationId xmlns:p14="http://schemas.microsoft.com/office/powerpoint/2010/main" val="1307170864"/>
       </p:ext>
     </p:extLst>
   </p:cSld>
@@ -2763,7 +2763,7 @@
           <p:cNvPr id="2" name="标题占位符 1">
             <a:extLst>
               <a:ext uri="{FF2B5EF4-FFF2-40B4-BE49-F238E27FC236}">
-                <a16:creationId xmlns:a16="http://schemas.microsoft.com/office/drawing/2014/main" id="{5C18BA69-497B-6779-28F5-A54E83971A7E}"/>
+                <a16:creationId xmlns:a16="http://schemas.microsoft.com/office/drawing/2014/main" id="{7CC6C8D7-0111-7C23-7FF5-AF76878FCACE}"/>
               </a:ext>
             </a:extLst>
           </p:cNvPr>
@@ -2801,7 +2801,7 @@
           <p:cNvPr id="3" name="文本占位符 2">
             <a:extLst>
               <a:ext uri="{FF2B5EF4-FFF2-40B4-BE49-F238E27FC236}">
-                <a16:creationId xmlns:a16="http://schemas.microsoft.com/office/drawing/2014/main" id="{C1F24BD2-680F-D19A-974A-7C668DB18396}"/>
+                <a16:creationId xmlns:a16="http://schemas.microsoft.com/office/drawing/2014/main" id="{AE37B668-59F4-A7C0-D9D1-D5908F14D43C}"/>
               </a:ext>
             </a:extLst>
           </p:cNvPr>
@@ -2868,7 +2868,7 @@
           <p:cNvPr id="4" name="日期占位符 3">
             <a:extLst>
               <a:ext uri="{FF2B5EF4-FFF2-40B4-BE49-F238E27FC236}">
-                <a16:creationId xmlns:a16="http://schemas.microsoft.com/office/drawing/2014/main" id="{35E5BC58-2EDA-235B-E02C-18CB92D2034C}"/>
+                <a16:creationId xmlns:a16="http://schemas.microsoft.com/office/drawing/2014/main" id="{AAA47540-4CBC-003B-977C-55FEA2D460A3}"/>
               </a:ext>
             </a:extLst>
           </p:cNvPr>
@@ -2902,7 +2902,7 @@
             </a:lvl1pPr>
           </a:lstStyle>
           <a:p>
-            <a:fld id="{20F14939-022F-42BD-95C5-B97EA66725D1}" type="datetimeFigureOut">
+            <a:fld id="{5D17E001-A548-461E-B5B7-78154871ABAD}" type="datetimeFigureOut">
               <a:rPr lang="zh-CN" altLang="en-US" smtClean="0"/>
               <a:t>2024/3/10</a:t>
             </a:fld>
@@ -2915,7 +2915,7 @@
           <p:cNvPr id="5" name="页脚占位符 4">
             <a:extLst>
               <a:ext uri="{FF2B5EF4-FFF2-40B4-BE49-F238E27FC236}">
-                <a16:creationId xmlns:a16="http://schemas.microsoft.com/office/drawing/2014/main" id="{CFBE4AD5-EE5C-4B1B-7764-E57FB49A2CB4}"/>
+                <a16:creationId xmlns:a16="http://schemas.microsoft.com/office/drawing/2014/main" id="{DC81C7DA-6462-0691-4000-B512DE466FEA}"/>
               </a:ext>
             </a:extLst>
           </p:cNvPr>
@@ -2958,7 +2958,7 @@
           <p:cNvPr id="6" name="灯片编号占位符 5">
             <a:extLst>
               <a:ext uri="{FF2B5EF4-FFF2-40B4-BE49-F238E27FC236}">
-                <a16:creationId xmlns:a16="http://schemas.microsoft.com/office/drawing/2014/main" id="{619A2553-CB34-A835-0FAB-ED2FE5047C5F}"/>
+                <a16:creationId xmlns:a16="http://schemas.microsoft.com/office/drawing/2014/main" id="{66AAC7E2-1DCD-4A07-EF79-FF4E8B30FBF9}"/>
               </a:ext>
             </a:extLst>
           </p:cNvPr>
@@ -2992,7 +2992,7 @@
             </a:lvl1pPr>
           </a:lstStyle>
           <a:p>
-            <a:fld id="{F96871C2-FFB8-4AF0-AEA7-13CCDA2CBD2E}" type="slidenum">
+            <a:fld id="{E5350FC8-0CE1-43E1-A3FF-FF5648122D25}" type="slidenum">
               <a:rPr lang="zh-CN" altLang="en-US" smtClean="0"/>
               <a:t>‹#›</a:t>
             </a:fld>
@@ -3003,7 +3003,7 @@
     </p:spTree>
     <p:extLst>
       <p:ext uri="{BB962C8B-B14F-4D97-AF65-F5344CB8AC3E}">
-        <p14:creationId xmlns:p14="http://schemas.microsoft.com/office/powerpoint/2010/main" val="720902375"/>
+        <p14:creationId xmlns:p14="http://schemas.microsoft.com/office/powerpoint/2010/main" val="3592831927"/>
       </p:ext>
     </p:extLst>
   </p:cSld>
